--- a/SimpAcc - Software Development.pptx
+++ b/SimpAcc - Software Development.pptx
@@ -107,6 +107,11 @@
       </a:defRPr>
     </a:lvl9pPr>
   </p:defaultTextStyle>
+  <p:extLst>
+    <p:ext uri="{EFAFB233-063F-42B5-8137-9DF3F51BA10A}">
+      <p15:sldGuideLst xmlns:p15="http://schemas.microsoft.com/office/powerpoint/2012/main"/>
+    </p:ext>
+  </p:extLst>
 </p:presentation>
 </file>
 
@@ -909,7 +914,7 @@
           <a:p>
             <a:fld id="{1B55AE0A-BCBE-401B-86F8-9D58818ED79A}" type="datetimeFigureOut">
               <a:rPr lang="en-PH" smtClean="0"/>
-              <a:t>13/05/2023</a:t>
+              <a:t>22/07/2023</a:t>
             </a:fld>
             <a:endParaRPr lang="en-PH"/>
           </a:p>
@@ -1109,7 +1114,7 @@
           <a:p>
             <a:fld id="{1B55AE0A-BCBE-401B-86F8-9D58818ED79A}" type="datetimeFigureOut">
               <a:rPr lang="en-PH" smtClean="0"/>
-              <a:t>13/05/2023</a:t>
+              <a:t>22/07/2023</a:t>
             </a:fld>
             <a:endParaRPr lang="en-PH"/>
           </a:p>
@@ -1319,7 +1324,7 @@
           <a:p>
             <a:fld id="{1B55AE0A-BCBE-401B-86F8-9D58818ED79A}" type="datetimeFigureOut">
               <a:rPr lang="en-PH" smtClean="0"/>
-              <a:t>13/05/2023</a:t>
+              <a:t>22/07/2023</a:t>
             </a:fld>
             <a:endParaRPr lang="en-PH"/>
           </a:p>
@@ -1519,7 +1524,7 @@
           <a:p>
             <a:fld id="{1B55AE0A-BCBE-401B-86F8-9D58818ED79A}" type="datetimeFigureOut">
               <a:rPr lang="en-PH" smtClean="0"/>
-              <a:t>13/05/2023</a:t>
+              <a:t>22/07/2023</a:t>
             </a:fld>
             <a:endParaRPr lang="en-PH"/>
           </a:p>
@@ -1795,7 +1800,7 @@
           <a:p>
             <a:fld id="{1B55AE0A-BCBE-401B-86F8-9D58818ED79A}" type="datetimeFigureOut">
               <a:rPr lang="en-PH" smtClean="0"/>
-              <a:t>13/05/2023</a:t>
+              <a:t>22/07/2023</a:t>
             </a:fld>
             <a:endParaRPr lang="en-PH"/>
           </a:p>
@@ -2063,7 +2068,7 @@
           <a:p>
             <a:fld id="{1B55AE0A-BCBE-401B-86F8-9D58818ED79A}" type="datetimeFigureOut">
               <a:rPr lang="en-PH" smtClean="0"/>
-              <a:t>13/05/2023</a:t>
+              <a:t>22/07/2023</a:t>
             </a:fld>
             <a:endParaRPr lang="en-PH"/>
           </a:p>
@@ -2478,7 +2483,7 @@
           <a:p>
             <a:fld id="{1B55AE0A-BCBE-401B-86F8-9D58818ED79A}" type="datetimeFigureOut">
               <a:rPr lang="en-PH" smtClean="0"/>
-              <a:t>13/05/2023</a:t>
+              <a:t>22/07/2023</a:t>
             </a:fld>
             <a:endParaRPr lang="en-PH"/>
           </a:p>
@@ -2620,7 +2625,7 @@
           <a:p>
             <a:fld id="{1B55AE0A-BCBE-401B-86F8-9D58818ED79A}" type="datetimeFigureOut">
               <a:rPr lang="en-PH" smtClean="0"/>
-              <a:t>13/05/2023</a:t>
+              <a:t>22/07/2023</a:t>
             </a:fld>
             <a:endParaRPr lang="en-PH"/>
           </a:p>
@@ -2733,7 +2738,7 @@
           <a:p>
             <a:fld id="{1B55AE0A-BCBE-401B-86F8-9D58818ED79A}" type="datetimeFigureOut">
               <a:rPr lang="en-PH" smtClean="0"/>
-              <a:t>13/05/2023</a:t>
+              <a:t>22/07/2023</a:t>
             </a:fld>
             <a:endParaRPr lang="en-PH"/>
           </a:p>
@@ -3046,7 +3051,7 @@
           <a:p>
             <a:fld id="{1B55AE0A-BCBE-401B-86F8-9D58818ED79A}" type="datetimeFigureOut">
               <a:rPr lang="en-PH" smtClean="0"/>
-              <a:t>13/05/2023</a:t>
+              <a:t>22/07/2023</a:t>
             </a:fld>
             <a:endParaRPr lang="en-PH"/>
           </a:p>
@@ -3335,7 +3340,7 @@
           <a:p>
             <a:fld id="{1B55AE0A-BCBE-401B-86F8-9D58818ED79A}" type="datetimeFigureOut">
               <a:rPr lang="en-PH" smtClean="0"/>
-              <a:t>13/05/2023</a:t>
+              <a:t>22/07/2023</a:t>
             </a:fld>
             <a:endParaRPr lang="en-PH"/>
           </a:p>
@@ -3578,7 +3583,7 @@
           <a:p>
             <a:fld id="{1B55AE0A-BCBE-401B-86F8-9D58818ED79A}" type="datetimeFigureOut">
               <a:rPr lang="en-PH" smtClean="0"/>
-              <a:t>13/05/2023</a:t>
+              <a:t>22/07/2023</a:t>
             </a:fld>
             <a:endParaRPr lang="en-PH"/>
           </a:p>
@@ -4181,7 +4186,7 @@
         </p:nvSpPr>
         <p:spPr>
           <a:xfrm>
-            <a:off x="3001472" y="1685855"/>
+            <a:off x="4336496" y="1685855"/>
             <a:ext cx="3253024" cy="3253024"/>
           </a:xfrm>
           <a:prstGeom prst="ellipse">
@@ -4225,7 +4230,7 @@
         </p:nvSpPr>
         <p:spPr>
           <a:xfrm>
-            <a:off x="4536544" y="1605985"/>
+            <a:off x="5871568" y="1605985"/>
             <a:ext cx="182880" cy="3566160"/>
           </a:xfrm>
           <a:prstGeom prst="rect">
@@ -4279,7 +4284,7 @@
         </p:nvSpPr>
         <p:spPr>
           <a:xfrm>
-            <a:off x="3632408" y="2316791"/>
+            <a:off x="4967432" y="2316791"/>
             <a:ext cx="1991152" cy="1991152"/>
           </a:xfrm>
           <a:prstGeom prst="ellipse">
@@ -4351,7 +4356,7 @@
         </p:nvSpPr>
         <p:spPr>
           <a:xfrm>
-            <a:off x="4170784" y="2855167"/>
+            <a:off x="5505808" y="2855167"/>
             <a:ext cx="914400" cy="914400"/>
           </a:xfrm>
           <a:prstGeom prst="ellipse">
@@ -4398,7 +4403,7 @@
         </p:nvSpPr>
         <p:spPr>
           <a:xfrm>
-            <a:off x="4170784" y="2507455"/>
+            <a:off x="5505808" y="2507455"/>
             <a:ext cx="1339596" cy="307777"/>
           </a:xfrm>
           <a:prstGeom prst="rect">
@@ -4434,7 +4439,7 @@
         </p:nvSpPr>
         <p:spPr>
           <a:xfrm rot="16200000">
-            <a:off x="2672282" y="2970820"/>
+            <a:off x="4007306" y="2970820"/>
             <a:ext cx="1426191" cy="307777"/>
           </a:xfrm>
           <a:prstGeom prst="rect">
@@ -4470,7 +4475,7 @@
         </p:nvSpPr>
         <p:spPr>
           <a:xfrm rot="19242197">
-            <a:off x="2479552" y="2355057"/>
+            <a:off x="3979223" y="2353566"/>
             <a:ext cx="599737" cy="307777"/>
           </a:xfrm>
           <a:prstGeom prst="rect">
@@ -4506,7 +4511,7 @@
         </p:nvSpPr>
         <p:spPr>
           <a:xfrm rot="18533732">
-            <a:off x="2544956" y="3560540"/>
+            <a:off x="3879980" y="3560540"/>
             <a:ext cx="599737" cy="307777"/>
           </a:xfrm>
           <a:prstGeom prst="rect">
@@ -4542,7 +4547,7 @@
         </p:nvSpPr>
         <p:spPr>
           <a:xfrm rot="5400000">
-            <a:off x="5134661" y="3268249"/>
+            <a:off x="6469685" y="3268249"/>
             <a:ext cx="1426191" cy="307777"/>
           </a:xfrm>
           <a:prstGeom prst="rect">
@@ -4578,7 +4583,7 @@
         </p:nvSpPr>
         <p:spPr>
           <a:xfrm>
-            <a:off x="7904988" y="1240225"/>
+            <a:off x="9378860" y="1450503"/>
             <a:ext cx="667512" cy="731520"/>
           </a:xfrm>
           <a:prstGeom prst="flowChartMagneticDisk">
@@ -4606,7 +4611,10 @@
           <a:lstStyle/>
           <a:p>
             <a:pPr algn="ctr"/>
-            <a:endParaRPr lang="en-PH"/>
+            <a:r>
+              <a:rPr lang="en-PH" dirty="0"/>
+              <a:t>DB</a:t>
+            </a:r>
           </a:p>
         </p:txBody>
       </p:sp>
@@ -4628,8 +4636,8 @@
         </p:nvCxnSpPr>
         <p:spPr>
           <a:xfrm flipV="1">
-            <a:off x="6314966" y="1605985"/>
-            <a:ext cx="1590022" cy="549089"/>
+            <a:off x="7649990" y="1816263"/>
+            <a:ext cx="1728870" cy="338811"/>
           </a:xfrm>
           <a:prstGeom prst="curvedConnector3">
             <a:avLst>
@@ -4687,7 +4695,7 @@
         </p:blipFill>
         <p:spPr>
           <a:xfrm>
-            <a:off x="196107" y="4535778"/>
+            <a:off x="1531131" y="4535778"/>
             <a:ext cx="914400" cy="914400"/>
           </a:xfrm>
           <a:prstGeom prst="rect">
@@ -4726,7 +4734,7 @@
         </p:blipFill>
         <p:spPr>
           <a:xfrm>
-            <a:off x="1006110" y="4380330"/>
+            <a:off x="2341134" y="4380330"/>
             <a:ext cx="914400" cy="914400"/>
           </a:xfrm>
           <a:prstGeom prst="rect">
@@ -4765,7 +4773,7 @@
         </p:blipFill>
         <p:spPr>
           <a:xfrm>
-            <a:off x="233932" y="3000175"/>
+            <a:off x="1568956" y="3000175"/>
             <a:ext cx="914400" cy="914400"/>
           </a:xfrm>
           <a:prstGeom prst="rect">
@@ -4804,7 +4812,7 @@
         </p:blipFill>
         <p:spPr>
           <a:xfrm>
-            <a:off x="297732" y="1518483"/>
+            <a:off x="1632756" y="1518483"/>
             <a:ext cx="914400" cy="914400"/>
           </a:xfrm>
           <a:prstGeom prst="rect">
@@ -4826,7 +4834,7 @@
         </p:nvSpPr>
         <p:spPr>
           <a:xfrm rot="19242197">
-            <a:off x="5965913" y="2125809"/>
+            <a:off x="7300937" y="2125809"/>
             <a:ext cx="393548" cy="307777"/>
           </a:xfrm>
           <a:prstGeom prst="rect">
@@ -4862,7 +4870,7 @@
         </p:nvSpPr>
         <p:spPr>
           <a:xfrm>
-            <a:off x="6308880" y="3112386"/>
+            <a:off x="7643904" y="3112386"/>
             <a:ext cx="669676" cy="307777"/>
           </a:xfrm>
           <a:prstGeom prst="rect">
@@ -4898,7 +4906,7 @@
         </p:nvSpPr>
         <p:spPr>
           <a:xfrm rot="1426325">
-            <a:off x="6132996" y="4133708"/>
+            <a:off x="7468020" y="4133708"/>
             <a:ext cx="1206282" cy="307777"/>
           </a:xfrm>
           <a:prstGeom prst="rect">
@@ -4951,7 +4959,7 @@
         </p:blipFill>
         <p:spPr>
           <a:xfrm>
-            <a:off x="8832705" y="2210308"/>
+            <a:off x="10167729" y="2210308"/>
             <a:ext cx="914400" cy="914400"/>
           </a:xfrm>
           <a:prstGeom prst="rect">
@@ -4977,7 +4985,7 @@
         </p:nvCxnSpPr>
         <p:spPr>
           <a:xfrm flipV="1">
-            <a:off x="6978556" y="2667508"/>
+            <a:off x="8313580" y="2667508"/>
             <a:ext cx="1854149" cy="598767"/>
           </a:xfrm>
           <a:prstGeom prst="curvedConnector3">
@@ -5036,7 +5044,7 @@
         </p:blipFill>
         <p:spPr>
           <a:xfrm>
-            <a:off x="8640538" y="3708161"/>
+            <a:off x="9975562" y="3708161"/>
             <a:ext cx="914400" cy="914400"/>
           </a:xfrm>
           <a:prstGeom prst="rect">
@@ -5060,7 +5068,7 @@
         </p:nvCxnSpPr>
         <p:spPr>
           <a:xfrm flipV="1">
-            <a:off x="7288105" y="4185589"/>
+            <a:off x="8623129" y="4185589"/>
             <a:ext cx="1352433" cy="365362"/>
           </a:xfrm>
           <a:prstGeom prst="curvedConnector3">
@@ -5105,7 +5113,7 @@
         </p:nvCxnSpPr>
         <p:spPr>
           <a:xfrm flipV="1">
-            <a:off x="1920510" y="3965518"/>
+            <a:off x="3255534" y="3965518"/>
             <a:ext cx="825531" cy="872012"/>
           </a:xfrm>
           <a:prstGeom prst="curvedConnector2">
@@ -5149,8 +5157,8 @@
         </p:nvCxnSpPr>
         <p:spPr>
           <a:xfrm flipV="1">
-            <a:off x="1148332" y="2698864"/>
-            <a:ext cx="1399028" cy="758511"/>
+            <a:off x="2483356" y="2697373"/>
+            <a:ext cx="1563675" cy="760002"/>
           </a:xfrm>
           <a:prstGeom prst="curvedConnector3">
             <a:avLst>
@@ -5195,8 +5203,8 @@
         </p:nvCxnSpPr>
         <p:spPr>
           <a:xfrm>
-            <a:off x="1212132" y="1975683"/>
-            <a:ext cx="1469826" cy="414171"/>
+            <a:off x="2547156" y="1975683"/>
+            <a:ext cx="1634473" cy="412680"/>
           </a:xfrm>
           <a:prstGeom prst="curvedConnector2">
             <a:avLst/>
@@ -5235,7 +5243,7 @@
         </p:nvSpPr>
         <p:spPr>
           <a:xfrm rot="18533732">
-            <a:off x="3005169" y="4492937"/>
+            <a:off x="4340193" y="4492937"/>
             <a:ext cx="599737" cy="307777"/>
           </a:xfrm>
           <a:prstGeom prst="rect">
@@ -5286,8 +5294,8 @@
         </p:blipFill>
         <p:spPr bwMode="auto">
           <a:xfrm>
-            <a:off x="1727011" y="6006705"/>
-            <a:ext cx="1504477" cy="564179"/>
+            <a:off x="3282069" y="6140614"/>
+            <a:ext cx="1098485" cy="411932"/>
           </a:xfrm>
           <a:prstGeom prst="rect">
             <a:avLst/>
@@ -5322,8 +5330,8 @@
         </p:nvCxnSpPr>
         <p:spPr>
           <a:xfrm rot="5400000" flipH="1" flipV="1">
-            <a:off x="2234753" y="5124708"/>
-            <a:ext cx="1126494" cy="637500"/>
+            <a:off x="3511342" y="5200182"/>
+            <a:ext cx="1260403" cy="620462"/>
           </a:xfrm>
           <a:prstGeom prst="curvedConnector3">
             <a:avLst>
@@ -5352,10 +5360,10 @@
       </p:cxnSp>
       <p:pic>
         <p:nvPicPr>
-          <p:cNvPr id="1028" name="Picture 4" descr="Android Apps by Google LLC on Google Play">
-            <a:extLst>
-              <a:ext uri="{FF2B5EF4-FFF2-40B4-BE49-F238E27FC236}">
-                <a16:creationId xmlns:a16="http://schemas.microsoft.com/office/drawing/2014/main" id="{C0B97AE8-2DCC-D149-BE6B-42CEA8DEA9EA}"/>
+          <p:cNvPr id="7" name="Picture 2" descr="OAuth - Wikipedia">
+            <a:extLst>
+              <a:ext uri="{FF2B5EF4-FFF2-40B4-BE49-F238E27FC236}">
+                <a16:creationId xmlns:a16="http://schemas.microsoft.com/office/drawing/2014/main" id="{32ED810A-89DB-6449-50AD-498A4570725E}"/>
               </a:ext>
             </a:extLst>
           </p:cNvPr>
@@ -5379,8 +5387,8 @@
         </p:blipFill>
         <p:spPr bwMode="auto">
           <a:xfrm>
-            <a:off x="3236824" y="6006705"/>
-            <a:ext cx="616117" cy="616117"/>
+            <a:off x="2597468" y="6038521"/>
+            <a:ext cx="613380" cy="616118"/>
           </a:xfrm>
           <a:prstGeom prst="rect">
             <a:avLst/>
@@ -5397,125 +5405,6 @@
           </a:extLst>
         </p:spPr>
       </p:pic>
-      <p:pic>
-        <p:nvPicPr>
-          <p:cNvPr id="1030" name="Picture 6" descr="Okta, Inc. - Wikipedia">
-            <a:extLst>
-              <a:ext uri="{FF2B5EF4-FFF2-40B4-BE49-F238E27FC236}">
-                <a16:creationId xmlns:a16="http://schemas.microsoft.com/office/drawing/2014/main" id="{9E3E5B13-9699-14B3-51B2-8892335C9077}"/>
-              </a:ext>
-            </a:extLst>
-          </p:cNvPr>
-          <p:cNvPicPr>
-            <a:picLocks noChangeAspect="1" noChangeArrowheads="1"/>
-          </p:cNvPicPr>
-          <p:nvPr/>
-        </p:nvPicPr>
-        <p:blipFill>
-          <a:blip r:embed="rId14">
-            <a:extLst>
-              <a:ext uri="{28A0092B-C50C-407E-A947-70E740481C1C}">
-                <a14:useLocalDpi xmlns:a14="http://schemas.microsoft.com/office/drawing/2010/main" val="0"/>
-              </a:ext>
-            </a:extLst>
-          </a:blip>
-          <a:srcRect/>
-          <a:stretch>
-            <a:fillRect/>
-          </a:stretch>
-        </p:blipFill>
-        <p:spPr bwMode="auto">
-          <a:xfrm>
-            <a:off x="754932" y="6140712"/>
-            <a:ext cx="883933" cy="296163"/>
-          </a:xfrm>
-          <a:prstGeom prst="rect">
-            <a:avLst/>
-          </a:prstGeom>
-          <a:noFill/>
-          <a:extLst>
-            <a:ext uri="{909E8E84-426E-40DD-AFC4-6F175D3DCCD1}">
-              <a14:hiddenFill xmlns:a14="http://schemas.microsoft.com/office/drawing/2010/main">
-                <a:solidFill>
-                  <a:srgbClr val="FFFFFF"/>
-                </a:solidFill>
-              </a14:hiddenFill>
-            </a:ext>
-          </a:extLst>
-        </p:spPr>
-      </p:pic>
-      <p:sp>
-        <p:nvSpPr>
-          <p:cNvPr id="59" name="TextBox 58">
-            <a:extLst>
-              <a:ext uri="{FF2B5EF4-FFF2-40B4-BE49-F238E27FC236}">
-                <a16:creationId xmlns:a16="http://schemas.microsoft.com/office/drawing/2014/main" id="{FD2B92C3-7AD9-57BA-3D2E-75658557AE37}"/>
-              </a:ext>
-            </a:extLst>
-          </p:cNvPr>
-          <p:cNvSpPr txBox="1"/>
-          <p:nvPr/>
-        </p:nvSpPr>
-        <p:spPr>
-          <a:xfrm rot="19242197">
-            <a:off x="2946974" y="2412270"/>
-            <a:ext cx="599737" cy="307777"/>
-          </a:xfrm>
-          <a:prstGeom prst="rect">
-            <a:avLst/>
-          </a:prstGeom>
-          <a:noFill/>
-        </p:spPr>
-        <p:txBody>
-          <a:bodyPr wrap="square" rtlCol="0">
-            <a:spAutoFit/>
-          </a:bodyPr>
-          <a:lstStyle/>
-          <a:p>
-            <a:r>
-              <a:rPr lang="en-US" sz="1400" dirty="0"/>
-              <a:t>API</a:t>
-            </a:r>
-            <a:endParaRPr lang="en-PH" dirty="0"/>
-          </a:p>
-        </p:txBody>
-      </p:sp>
-      <p:sp>
-        <p:nvSpPr>
-          <p:cNvPr id="1024" name="TextBox 1023">
-            <a:extLst>
-              <a:ext uri="{FF2B5EF4-FFF2-40B4-BE49-F238E27FC236}">
-                <a16:creationId xmlns:a16="http://schemas.microsoft.com/office/drawing/2014/main" id="{64EE5974-3525-F372-D108-C68EC52E0A0C}"/>
-              </a:ext>
-            </a:extLst>
-          </p:cNvPr>
-          <p:cNvSpPr txBox="1"/>
-          <p:nvPr/>
-        </p:nvSpPr>
-        <p:spPr>
-          <a:xfrm rot="19242197">
-            <a:off x="2873542" y="1754318"/>
-            <a:ext cx="599737" cy="307777"/>
-          </a:xfrm>
-          <a:prstGeom prst="rect">
-            <a:avLst/>
-          </a:prstGeom>
-          <a:noFill/>
-        </p:spPr>
-        <p:txBody>
-          <a:bodyPr wrap="square" rtlCol="0">
-            <a:spAutoFit/>
-          </a:bodyPr>
-          <a:lstStyle/>
-          <a:p>
-            <a:r>
-              <a:rPr lang="en-US" sz="1400" dirty="0"/>
-              <a:t>API2</a:t>
-            </a:r>
-            <a:endParaRPr lang="en-PH" dirty="0"/>
-          </a:p>
-        </p:txBody>
-      </p:sp>
     </p:spTree>
     <p:extLst>
       <p:ext uri="{BB962C8B-B14F-4D97-AF65-F5344CB8AC3E}">
